--- a/San Francisco.pptx
+++ b/San Francisco.pptx
@@ -5,10 +5,10 @@
     <p:sldMasterId id="2147483648" r:id="rId4"/>
   </p:sldMasterIdLst>
   <p:notesMasterIdLst>
-    <p:notesMasterId r:id="rId18"/>
+    <p:notesMasterId r:id="rId19"/>
   </p:notesMasterIdLst>
   <p:handoutMasterIdLst>
-    <p:handoutMasterId r:id="rId19"/>
+    <p:handoutMasterId r:id="rId20"/>
   </p:handoutMasterIdLst>
   <p:sldIdLst>
     <p:sldId id="256" r:id="rId5"/>
@@ -24,6 +24,7 @@
     <p:sldId id="283" r:id="rId15"/>
     <p:sldId id="284" r:id="rId16"/>
     <p:sldId id="288" r:id="rId17"/>
+    <p:sldId id="289" r:id="rId18"/>
   </p:sldIdLst>
   <p:sldSz cx="12192000" cy="6858000"/>
   <p:notesSz cx="6858000" cy="9144000"/>
@@ -7190,12 +7191,79 @@
           </a:xfrm>
         </p:spPr>
       </p:pic>
+      <p:sp>
+        <p:nvSpPr>
+          <p:cNvPr id="12" name="TextBox 11">
+            <a:extLst>
+              <a:ext uri="{FF2B5EF4-FFF2-40B4-BE49-F238E27FC236}">
+                <a16:creationId xmlns:a16="http://schemas.microsoft.com/office/drawing/2014/main" id="{E552CAF3-FC02-F6AE-4AD5-E2D683FA977C}"/>
+              </a:ext>
+            </a:extLst>
+          </p:cNvPr>
+          <p:cNvSpPr txBox="1"/>
+          <p:nvPr/>
+        </p:nvSpPr>
+        <p:spPr>
+          <a:xfrm>
+            <a:off x="3978234" y="5118265"/>
+            <a:ext cx="1725881" cy="646331"/>
+          </a:xfrm>
+          <a:prstGeom prst="rect">
+            <a:avLst/>
+          </a:prstGeom>
+          <a:solidFill>
+            <a:schemeClr val="accent3"/>
+          </a:solidFill>
+          <a:ln>
+            <a:noFill/>
+          </a:ln>
+        </p:spPr>
+        <p:style>
+          <a:lnRef idx="0">
+            <a:scrgbClr r="0" g="0" b="0"/>
+          </a:lnRef>
+          <a:fillRef idx="0">
+            <a:scrgbClr r="0" g="0" b="0"/>
+          </a:fillRef>
+          <a:effectRef idx="0">
+            <a:scrgbClr r="0" g="0" b="0"/>
+          </a:effectRef>
+          <a:fontRef idx="minor">
+            <a:schemeClr val="lt1"/>
+          </a:fontRef>
+        </p:style>
+        <p:txBody>
+          <a:bodyPr wrap="square" rtlCol="0">
+            <a:spAutoFit/>
+          </a:bodyPr>
+          <a:lstStyle/>
+          <a:p>
+            <a:r>
+              <a:rPr lang="en-US" dirty="0" err="1"/>
+              <a:t>Interaktív</a:t>
+            </a:r>
+            <a:r>
+              <a:rPr lang="en-US" dirty="0"/>
+              <a:t> </a:t>
+            </a:r>
+            <a:r>
+              <a:rPr lang="en-US" dirty="0" err="1"/>
+              <a:t>térkép</a:t>
+            </a:r>
+            <a:r>
+              <a:rPr lang="en-US" dirty="0"/>
+              <a:t>:</a:t>
+            </a:r>
+            <a:endParaRPr lang="en-GB" dirty="0"/>
+          </a:p>
+        </p:txBody>
+      </p:sp>
       <p:graphicFrame>
         <p:nvGraphicFramePr>
-          <p:cNvPr id="10" name="Object 9">
-            <a:extLst>
-              <a:ext uri="{FF2B5EF4-FFF2-40B4-BE49-F238E27FC236}">
-                <a16:creationId xmlns:a16="http://schemas.microsoft.com/office/drawing/2014/main" id="{93BB76BC-AEA5-5B09-2475-DB4D367E0144}"/>
+          <p:cNvPr id="3" name="Object 2">
+            <a:extLst>
+              <a:ext uri="{FF2B5EF4-FFF2-40B4-BE49-F238E27FC236}">
+                <a16:creationId xmlns:a16="http://schemas.microsoft.com/office/drawing/2014/main" id="{BDE41D34-B597-8CAF-9507-AECD8D613148}"/>
               </a:ext>
             </a:extLst>
           </p:cNvPr>
@@ -7205,25 +7273,25 @@
           <p:nvPr>
             <p:extLst>
               <p:ext uri="{D42A27DB-BD31-4B8C-83A1-F6EECF244321}">
-                <p14:modId xmlns:p14="http://schemas.microsoft.com/office/powerpoint/2010/main" val="1228960267"/>
+                <p14:modId xmlns:p14="http://schemas.microsoft.com/office/powerpoint/2010/main" val="2267823706"/>
               </p:ext>
             </p:extLst>
           </p:nvPr>
         </p:nvGraphicFramePr>
         <p:xfrm>
-          <a:off x="5638799" y="5112269"/>
-          <a:ext cx="914400" cy="771525"/>
+          <a:off x="5810305" y="5235959"/>
+          <a:ext cx="647700" cy="528637"/>
         </p:xfrm>
         <a:graphic>
           <a:graphicData uri="http://schemas.openxmlformats.org/presentationml/2006/ole">
             <mc:AlternateContent xmlns:mc="http://schemas.openxmlformats.org/markup-compatibility/2006">
               <mc:Choice xmlns:v="urn:schemas-microsoft-com:vml" Requires="v">
-                <p:oleObj name="Packager Shell Object" showAsIcon="1" r:id="rId3" imgW="914400" imgH="771480" progId="Package">
+                <p:oleObj name="Packager Shell Object" showAsIcon="1" r:id="rId3" imgW="646920" imgH="529200" progId="Package">
                   <p:embed/>
                 </p:oleObj>
               </mc:Choice>
               <mc:Fallback>
-                <p:oleObj name="Packager Shell Object" showAsIcon="1" r:id="rId3" imgW="914400" imgH="771480" progId="Package">
+                <p:oleObj name="Packager Shell Object" showAsIcon="1" r:id="rId3" imgW="646920" imgH="529200" progId="Package">
                   <p:embed/>
                   <p:pic>
                     <p:nvPicPr>
@@ -7239,8 +7307,8 @@
                     </p:blipFill>
                     <p:spPr>
                       <a:xfrm>
-                        <a:off x="5638799" y="5112269"/>
-                        <a:ext cx="914400" cy="771525"/>
+                        <a:off x="5810305" y="5235959"/>
+                        <a:ext cx="647700" cy="528637"/>
                       </a:xfrm>
                       <a:prstGeom prst="rect">
                         <a:avLst/>
@@ -7253,77 +7321,235 @@
           </a:graphicData>
         </a:graphic>
       </p:graphicFrame>
-      <p:sp>
-        <p:nvSpPr>
-          <p:cNvPr id="12" name="TextBox 11">
-            <a:extLst>
-              <a:ext uri="{FF2B5EF4-FFF2-40B4-BE49-F238E27FC236}">
-                <a16:creationId xmlns:a16="http://schemas.microsoft.com/office/drawing/2014/main" id="{E552CAF3-FC02-F6AE-4AD5-E2D683FA977C}"/>
-              </a:ext>
-            </a:extLst>
-          </p:cNvPr>
-          <p:cNvSpPr txBox="1"/>
-          <p:nvPr/>
-        </p:nvSpPr>
-        <p:spPr>
-          <a:xfrm>
-            <a:off x="3978234" y="5118265"/>
-            <a:ext cx="1725881" cy="646331"/>
-          </a:xfrm>
-          <a:prstGeom prst="rect">
-            <a:avLst/>
-          </a:prstGeom>
-          <a:solidFill>
-            <a:schemeClr val="accent3"/>
-          </a:solidFill>
-          <a:ln>
-            <a:noFill/>
-          </a:ln>
-        </p:spPr>
-        <p:style>
-          <a:lnRef idx="0">
-            <a:scrgbClr r="0" g="0" b="0"/>
-          </a:lnRef>
-          <a:fillRef idx="0">
-            <a:scrgbClr r="0" g="0" b="0"/>
-          </a:fillRef>
-          <a:effectRef idx="0">
-            <a:scrgbClr r="0" g="0" b="0"/>
-          </a:effectRef>
-          <a:fontRef idx="minor">
-            <a:schemeClr val="lt1"/>
-          </a:fontRef>
-        </p:style>
-        <p:txBody>
-          <a:bodyPr wrap="square" rtlCol="0">
-            <a:spAutoFit/>
-          </a:bodyPr>
-          <a:lstStyle/>
-          <a:p>
-            <a:r>
-              <a:rPr lang="en-US" dirty="0" err="1"/>
-              <a:t>Interaktív</a:t>
-            </a:r>
-            <a:r>
-              <a:rPr lang="en-US" dirty="0"/>
-              <a:t> </a:t>
-            </a:r>
-            <a:r>
-              <a:rPr lang="en-US" dirty="0" err="1"/>
-              <a:t>térkép</a:t>
-            </a:r>
-            <a:r>
-              <a:rPr lang="en-US" dirty="0"/>
-              <a:t>:</a:t>
-            </a:r>
-            <a:endParaRPr lang="en-GB" dirty="0"/>
-          </a:p>
-        </p:txBody>
-      </p:sp>
     </p:spTree>
     <p:extLst>
       <p:ext uri="{BB962C8B-B14F-4D97-AF65-F5344CB8AC3E}">
         <p14:creationId xmlns:p14="http://schemas.microsoft.com/office/powerpoint/2010/main" val="1882652423"/>
+      </p:ext>
+    </p:extLst>
+  </p:cSld>
+  <p:clrMapOvr>
+    <a:masterClrMapping/>
+  </p:clrMapOvr>
+</p:sld>
+</file>
+
+<file path=ppt/slides/slide14.xml><?xml version="1.0" encoding="utf-8"?>
+<p:sld xmlns:a="http://schemas.openxmlformats.org/drawingml/2006/main" xmlns:r="http://schemas.openxmlformats.org/officeDocument/2006/relationships" xmlns:p="http://schemas.openxmlformats.org/presentationml/2006/main">
+  <p:cSld>
+    <p:spTree>
+      <p:nvGrpSpPr>
+        <p:cNvPr id="1" name=""/>
+        <p:cNvGrpSpPr/>
+        <p:nvPr/>
+      </p:nvGrpSpPr>
+      <p:grpSpPr>
+        <a:xfrm>
+          <a:off x="0" y="0"/>
+          <a:ext cx="0" cy="0"/>
+          <a:chOff x="0" y="0"/>
+          <a:chExt cx="0" cy="0"/>
+        </a:xfrm>
+      </p:grpSpPr>
+      <p:sp>
+        <p:nvSpPr>
+          <p:cNvPr id="34" name="Title 33">
+            <a:extLst>
+              <a:ext uri="{FF2B5EF4-FFF2-40B4-BE49-F238E27FC236}">
+                <a16:creationId xmlns:a16="http://schemas.microsoft.com/office/drawing/2014/main" id="{B48A1197-8309-4D79-A0C9-C45E4A6FF315}"/>
+              </a:ext>
+            </a:extLst>
+          </p:cNvPr>
+          <p:cNvSpPr>
+            <a:spLocks noGrp="1"/>
+          </p:cNvSpPr>
+          <p:nvPr>
+            <p:ph type="title"/>
+          </p:nvPr>
+        </p:nvSpPr>
+        <p:spPr>
+          <a:xfrm>
+            <a:off x="47501" y="875030"/>
+            <a:ext cx="2910851" cy="5068570"/>
+          </a:xfrm>
+        </p:spPr>
+        <p:txBody>
+          <a:bodyPr/>
+          <a:lstStyle/>
+          <a:p>
+            <a:r>
+              <a:rPr lang="en-US" dirty="0" err="1"/>
+              <a:t>Gépek</a:t>
+            </a:r>
+            <a:r>
+              <a:rPr lang="en-US" dirty="0"/>
+              <a:t> </a:t>
+            </a:r>
+            <a:r>
+              <a:rPr lang="en-US" dirty="0" err="1"/>
+              <a:t>útvonala</a:t>
+            </a:r>
+            <a:endParaRPr lang="en-US" dirty="0"/>
+          </a:p>
+        </p:txBody>
+      </p:sp>
+      <p:sp>
+        <p:nvSpPr>
+          <p:cNvPr id="11" name="Footer Placeholder 2">
+            <a:extLst>
+              <a:ext uri="{FF2B5EF4-FFF2-40B4-BE49-F238E27FC236}">
+                <a16:creationId xmlns:a16="http://schemas.microsoft.com/office/drawing/2014/main" id="{6204C4BA-C5E6-49BE-B63B-C46739184660}"/>
+              </a:ext>
+            </a:extLst>
+          </p:cNvPr>
+          <p:cNvSpPr>
+            <a:spLocks noGrp="1"/>
+          </p:cNvSpPr>
+          <p:nvPr>
+            <p:ph type="ftr" sz="quarter" idx="11"/>
+          </p:nvPr>
+        </p:nvSpPr>
+        <p:spPr>
+          <a:xfrm>
+            <a:off x="47501" y="6356350"/>
+            <a:ext cx="2992582" cy="365125"/>
+          </a:xfrm>
+        </p:spPr>
+        <p:txBody>
+          <a:bodyPr/>
+          <a:lstStyle/>
+          <a:p>
+            <a:r>
+              <a:rPr lang="es-ES" dirty="0"/>
+              <a:t>San Francisco </a:t>
+            </a:r>
+            <a:r>
+              <a:rPr lang="es-ES" dirty="0" err="1"/>
+              <a:t>Landolás</a:t>
+            </a:r>
+            <a:r>
+              <a:rPr lang="es-ES" dirty="0"/>
+              <a:t> &amp; </a:t>
+            </a:r>
+            <a:r>
+              <a:rPr lang="es-ES" dirty="0" err="1"/>
+              <a:t>Lakossági</a:t>
+            </a:r>
+            <a:r>
+              <a:rPr lang="es-ES" dirty="0"/>
+              <a:t> </a:t>
+            </a:r>
+            <a:r>
+              <a:rPr lang="es-ES" dirty="0" err="1"/>
+              <a:t>panaszok</a:t>
+            </a:r>
+            <a:endParaRPr lang="en-US" dirty="0"/>
+          </a:p>
+        </p:txBody>
+      </p:sp>
+      <p:sp>
+        <p:nvSpPr>
+          <p:cNvPr id="12" name="Date Placeholder 3">
+            <a:extLst>
+              <a:ext uri="{FF2B5EF4-FFF2-40B4-BE49-F238E27FC236}">
+                <a16:creationId xmlns:a16="http://schemas.microsoft.com/office/drawing/2014/main" id="{19CB07E0-313B-40CA-80F4-58A8C43C1BD9}"/>
+              </a:ext>
+            </a:extLst>
+          </p:cNvPr>
+          <p:cNvSpPr>
+            <a:spLocks noGrp="1"/>
+          </p:cNvSpPr>
+          <p:nvPr>
+            <p:ph type="dt" sz="half" idx="10"/>
+          </p:nvPr>
+        </p:nvSpPr>
+        <p:spPr>
+          <a:xfrm>
+            <a:off x="7013448" y="6355080"/>
+            <a:ext cx="4352544" cy="365125"/>
+          </a:xfrm>
+        </p:spPr>
+        <p:txBody>
+          <a:bodyPr/>
+          <a:lstStyle/>
+          <a:p>
+            <a:pPr lvl="0"/>
+            <a:r>
+              <a:rPr lang="en-US" noProof="0" dirty="0"/>
+              <a:t>2022.12.08.</a:t>
+            </a:r>
+          </a:p>
+        </p:txBody>
+      </p:sp>
+      <p:sp>
+        <p:nvSpPr>
+          <p:cNvPr id="13" name="Slide Number Placeholder 4">
+            <a:extLst>
+              <a:ext uri="{FF2B5EF4-FFF2-40B4-BE49-F238E27FC236}">
+                <a16:creationId xmlns:a16="http://schemas.microsoft.com/office/drawing/2014/main" id="{D68A7B90-CE8C-4D70-A3AC-7C68D53F470B}"/>
+              </a:ext>
+            </a:extLst>
+          </p:cNvPr>
+          <p:cNvSpPr>
+            <a:spLocks noGrp="1"/>
+          </p:cNvSpPr>
+          <p:nvPr>
+            <p:ph type="sldNum" sz="quarter" idx="12"/>
+          </p:nvPr>
+        </p:nvSpPr>
+        <p:spPr>
+          <a:xfrm>
+            <a:off x="11365992" y="6356350"/>
+            <a:ext cx="630936" cy="365125"/>
+          </a:xfrm>
+        </p:spPr>
+        <p:txBody>
+          <a:bodyPr/>
+          <a:lstStyle/>
+          <a:p>
+            <a:pPr lvl="0"/>
+            <a:fld id="{06B786C7-B8F9-4072-AAAA-17258464D730}" type="slidenum">
+              <a:rPr lang="en-US" noProof="0" smtClean="0"/>
+              <a:pPr lvl="0"/>
+              <a:t>14</a:t>
+            </a:fld>
+            <a:endParaRPr lang="en-US" noProof="0" dirty="0"/>
+          </a:p>
+        </p:txBody>
+      </p:sp>
+      <p:pic>
+        <p:nvPicPr>
+          <p:cNvPr id="6" name="Content Placeholder 5">
+            <a:extLst>
+              <a:ext uri="{FF2B5EF4-FFF2-40B4-BE49-F238E27FC236}">
+                <a16:creationId xmlns:a16="http://schemas.microsoft.com/office/drawing/2014/main" id="{5BD1FF66-66D7-DC11-DD71-8267B5D14489}"/>
+              </a:ext>
+            </a:extLst>
+          </p:cNvPr>
+          <p:cNvPicPr>
+            <a:picLocks noGrp="1" noChangeAspect="1"/>
+          </p:cNvPicPr>
+          <p:nvPr>
+            <p:ph sz="quarter" idx="14"/>
+          </p:nvPr>
+        </p:nvPicPr>
+        <p:blipFill>
+          <a:blip r:embed="rId2"/>
+          <a:stretch>
+            <a:fillRect/>
+          </a:stretch>
+        </p:blipFill>
+        <p:spPr>
+          <a:xfrm>
+            <a:off x="4597506" y="876300"/>
+            <a:ext cx="6016413" cy="4749800"/>
+          </a:xfrm>
+        </p:spPr>
+      </p:pic>
+    </p:spTree>
+    <p:extLst>
+      <p:ext uri="{BB962C8B-B14F-4D97-AF65-F5344CB8AC3E}">
+        <p14:creationId xmlns:p14="http://schemas.microsoft.com/office/powerpoint/2010/main" val="1544017543"/>
       </p:ext>
     </p:extLst>
   </p:cSld>
